--- a/analysis/submitted_analyses/ProspectTheory_StatusQuo_Choice_Parameters.pptx
+++ b/analysis/submitted_analyses/ProspectTheory_StatusQuo_Choice_Parameters.pptx
@@ -243,7 +243,7 @@
           <a:p>
             <a:fld id="{CFC60B5F-2253-DF41-8690-61B53F1555CE}" type="datetimeFigureOut">
               <a:rPr lang="en-US" smtClean="0"/>
-              <a:t>6/14/24</a:t>
+              <a:t>6/16/24</a:t>
             </a:fld>
             <a:endParaRPr lang="en-US"/>
           </a:p>
@@ -413,7 +413,7 @@
           <a:p>
             <a:fld id="{CFC60B5F-2253-DF41-8690-61B53F1555CE}" type="datetimeFigureOut">
               <a:rPr lang="en-US" smtClean="0"/>
-              <a:t>6/14/24</a:t>
+              <a:t>6/16/24</a:t>
             </a:fld>
             <a:endParaRPr lang="en-US"/>
           </a:p>
@@ -593,7 +593,7 @@
           <a:p>
             <a:fld id="{CFC60B5F-2253-DF41-8690-61B53F1555CE}" type="datetimeFigureOut">
               <a:rPr lang="en-US" smtClean="0"/>
-              <a:t>6/14/24</a:t>
+              <a:t>6/16/24</a:t>
             </a:fld>
             <a:endParaRPr lang="en-US"/>
           </a:p>
@@ -763,7 +763,7 @@
           <a:p>
             <a:fld id="{CFC60B5F-2253-DF41-8690-61B53F1555CE}" type="datetimeFigureOut">
               <a:rPr lang="en-US" smtClean="0"/>
-              <a:t>6/14/24</a:t>
+              <a:t>6/16/24</a:t>
             </a:fld>
             <a:endParaRPr lang="en-US"/>
           </a:p>
@@ -1007,7 +1007,7 @@
           <a:p>
             <a:fld id="{CFC60B5F-2253-DF41-8690-61B53F1555CE}" type="datetimeFigureOut">
               <a:rPr lang="en-US" smtClean="0"/>
-              <a:t>6/14/24</a:t>
+              <a:t>6/16/24</a:t>
             </a:fld>
             <a:endParaRPr lang="en-US"/>
           </a:p>
@@ -1239,7 +1239,7 @@
           <a:p>
             <a:fld id="{CFC60B5F-2253-DF41-8690-61B53F1555CE}" type="datetimeFigureOut">
               <a:rPr lang="en-US" smtClean="0"/>
-              <a:t>6/14/24</a:t>
+              <a:t>6/16/24</a:t>
             </a:fld>
             <a:endParaRPr lang="en-US"/>
           </a:p>
@@ -1606,7 +1606,7 @@
           <a:p>
             <a:fld id="{CFC60B5F-2253-DF41-8690-61B53F1555CE}" type="datetimeFigureOut">
               <a:rPr lang="en-US" smtClean="0"/>
-              <a:t>6/14/24</a:t>
+              <a:t>6/16/24</a:t>
             </a:fld>
             <a:endParaRPr lang="en-US"/>
           </a:p>
@@ -1724,7 +1724,7 @@
           <a:p>
             <a:fld id="{CFC60B5F-2253-DF41-8690-61B53F1555CE}" type="datetimeFigureOut">
               <a:rPr lang="en-US" smtClean="0"/>
-              <a:t>6/14/24</a:t>
+              <a:t>6/16/24</a:t>
             </a:fld>
             <a:endParaRPr lang="en-US"/>
           </a:p>
@@ -1819,7 +1819,7 @@
           <a:p>
             <a:fld id="{CFC60B5F-2253-DF41-8690-61B53F1555CE}" type="datetimeFigureOut">
               <a:rPr lang="en-US" smtClean="0"/>
-              <a:t>6/14/24</a:t>
+              <a:t>6/16/24</a:t>
             </a:fld>
             <a:endParaRPr lang="en-US"/>
           </a:p>
@@ -2096,7 +2096,7 @@
           <a:p>
             <a:fld id="{CFC60B5F-2253-DF41-8690-61B53F1555CE}" type="datetimeFigureOut">
               <a:rPr lang="en-US" smtClean="0"/>
-              <a:t>6/14/24</a:t>
+              <a:t>6/16/24</a:t>
             </a:fld>
             <a:endParaRPr lang="en-US"/>
           </a:p>
@@ -2353,7 +2353,7 @@
           <a:p>
             <a:fld id="{CFC60B5F-2253-DF41-8690-61B53F1555CE}" type="datetimeFigureOut">
               <a:rPr lang="en-US" smtClean="0"/>
-              <a:t>6/14/24</a:t>
+              <a:t>6/16/24</a:t>
             </a:fld>
             <a:endParaRPr lang="en-US"/>
           </a:p>
@@ -2566,7 +2566,7 @@
           <a:p>
             <a:fld id="{CFC60B5F-2253-DF41-8690-61B53F1555CE}" type="datetimeFigureOut">
               <a:rPr lang="en-US" smtClean="0"/>
-              <a:t>6/14/24</a:t>
+              <a:t>6/16/24</a:t>
             </a:fld>
             <a:endParaRPr lang="en-US"/>
           </a:p>
@@ -2971,84 +2971,12 @@
           <a:chExt cx="0" cy="0"/>
         </a:xfrm>
       </p:grpSpPr>
-      <p:sp>
-        <p:nvSpPr>
-          <p:cNvPr id="8" name="TextBox 7">
+      <p:pic>
+        <p:nvPicPr>
+          <p:cNvPr id="5" name="Picture 4">
             <a:extLst>
               <a:ext uri="{FF2B5EF4-FFF2-40B4-BE49-F238E27FC236}">
-                <a16:creationId xmlns:a16="http://schemas.microsoft.com/office/drawing/2014/main" id="{F29E1621-45F5-0E44-8AE7-A27A3F167BBB}"/>
-              </a:ext>
-            </a:extLst>
-          </p:cNvPr>
-          <p:cNvSpPr txBox="1"/>
-          <p:nvPr/>
-        </p:nvSpPr>
-        <p:spPr>
-          <a:xfrm rot="16200000">
-            <a:off x="-2025818" y="1967811"/>
-            <a:ext cx="4381500" cy="461665"/>
-          </a:xfrm>
-          <a:prstGeom prst="rect">
-            <a:avLst/>
-          </a:prstGeom>
-          <a:noFill/>
-        </p:spPr>
-        <p:txBody>
-          <a:bodyPr wrap="square" rtlCol="0">
-            <a:spAutoFit/>
-          </a:bodyPr>
-          <a:lstStyle/>
-          <a:p>
-            <a:pPr algn="ctr"/>
-            <a:r>
-              <a:rPr lang="en-US" sz="2400" b="1" u="sng" dirty="0"/>
-              <a:t>Exploratory</a:t>
-            </a:r>
-          </a:p>
-        </p:txBody>
-      </p:sp>
-      <p:sp>
-        <p:nvSpPr>
-          <p:cNvPr id="9" name="TextBox 8">
-            <a:extLst>
-              <a:ext uri="{FF2B5EF4-FFF2-40B4-BE49-F238E27FC236}">
-                <a16:creationId xmlns:a16="http://schemas.microsoft.com/office/drawing/2014/main" id="{AFFD002C-597E-27AE-5BF2-45F12AD9ABE3}"/>
-              </a:ext>
-            </a:extLst>
-          </p:cNvPr>
-          <p:cNvSpPr txBox="1"/>
-          <p:nvPr/>
-        </p:nvSpPr>
-        <p:spPr>
-          <a:xfrm rot="16200000">
-            <a:off x="-2019766" y="6349311"/>
-            <a:ext cx="4381500" cy="461665"/>
-          </a:xfrm>
-          <a:prstGeom prst="rect">
-            <a:avLst/>
-          </a:prstGeom>
-          <a:noFill/>
-        </p:spPr>
-        <p:txBody>
-          <a:bodyPr wrap="square" rtlCol="0">
-            <a:spAutoFit/>
-          </a:bodyPr>
-          <a:lstStyle/>
-          <a:p>
-            <a:pPr algn="ctr"/>
-            <a:r>
-              <a:rPr lang="en-US" sz="2400" b="1" u="sng" dirty="0"/>
-              <a:t>Confirmatory</a:t>
-            </a:r>
-          </a:p>
-        </p:txBody>
-      </p:sp>
-      <p:pic>
-        <p:nvPicPr>
-          <p:cNvPr id="3" name="Picture 2">
-            <a:extLst>
-              <a:ext uri="{FF2B5EF4-FFF2-40B4-BE49-F238E27FC236}">
-                <a16:creationId xmlns:a16="http://schemas.microsoft.com/office/drawing/2014/main" id="{E936D301-885A-2D9B-2C64-1E4A60C4D40E}"/>
+                <a16:creationId xmlns:a16="http://schemas.microsoft.com/office/drawing/2014/main" id="{EB44BB17-B27C-A75F-161D-587529C2BD57}"/>
               </a:ext>
             </a:extLst>
           </p:cNvPr>
@@ -3065,7 +2993,139 @@
         </p:blipFill>
         <p:spPr>
           <a:xfrm>
-            <a:off x="432740" y="393896"/>
+            <a:off x="426690" y="4381774"/>
+            <a:ext cx="6590041" cy="4389120"/>
+          </a:xfrm>
+          <a:prstGeom prst="rect">
+            <a:avLst/>
+          </a:prstGeom>
+        </p:spPr>
+      </p:pic>
+      <p:pic>
+        <p:nvPicPr>
+          <p:cNvPr id="14" name="Picture 13">
+            <a:extLst>
+              <a:ext uri="{FF2B5EF4-FFF2-40B4-BE49-F238E27FC236}">
+                <a16:creationId xmlns:a16="http://schemas.microsoft.com/office/drawing/2014/main" id="{B0C4000F-F568-E574-B867-9A6FEFF7C025}"/>
+              </a:ext>
+            </a:extLst>
+          </p:cNvPr>
+          <p:cNvPicPr>
+            <a:picLocks noChangeAspect="1"/>
+          </p:cNvPicPr>
+          <p:nvPr/>
+        </p:nvPicPr>
+        <p:blipFill>
+          <a:blip r:embed="rId3"/>
+          <a:stretch>
+            <a:fillRect/>
+          </a:stretch>
+        </p:blipFill>
+        <p:spPr>
+          <a:xfrm>
+            <a:off x="7022783" y="4378148"/>
+            <a:ext cx="6583680" cy="4389120"/>
+          </a:xfrm>
+          <a:prstGeom prst="rect">
+            <a:avLst/>
+          </a:prstGeom>
+        </p:spPr>
+      </p:pic>
+      <p:sp>
+        <p:nvSpPr>
+          <p:cNvPr id="8" name="TextBox 7">
+            <a:extLst>
+              <a:ext uri="{FF2B5EF4-FFF2-40B4-BE49-F238E27FC236}">
+                <a16:creationId xmlns:a16="http://schemas.microsoft.com/office/drawing/2014/main" id="{F29E1621-45F5-0E44-8AE7-A27A3F167BBB}"/>
+              </a:ext>
+            </a:extLst>
+          </p:cNvPr>
+          <p:cNvSpPr txBox="1"/>
+          <p:nvPr/>
+        </p:nvSpPr>
+        <p:spPr>
+          <a:xfrm rot="16200000">
+            <a:off x="-2025818" y="1967811"/>
+            <a:ext cx="4381500" cy="461665"/>
+          </a:xfrm>
+          <a:prstGeom prst="rect">
+            <a:avLst/>
+          </a:prstGeom>
+          <a:noFill/>
+        </p:spPr>
+        <p:txBody>
+          <a:bodyPr wrap="square" rtlCol="0">
+            <a:spAutoFit/>
+          </a:bodyPr>
+          <a:lstStyle/>
+          <a:p>
+            <a:pPr algn="ctr"/>
+            <a:r>
+              <a:rPr lang="en-US" sz="2400" b="1" u="sng" dirty="0"/>
+              <a:t>Exploratory</a:t>
+            </a:r>
+          </a:p>
+        </p:txBody>
+      </p:sp>
+      <p:sp>
+        <p:nvSpPr>
+          <p:cNvPr id="9" name="TextBox 8">
+            <a:extLst>
+              <a:ext uri="{FF2B5EF4-FFF2-40B4-BE49-F238E27FC236}">
+                <a16:creationId xmlns:a16="http://schemas.microsoft.com/office/drawing/2014/main" id="{AFFD002C-597E-27AE-5BF2-45F12AD9ABE3}"/>
+              </a:ext>
+            </a:extLst>
+          </p:cNvPr>
+          <p:cNvSpPr txBox="1"/>
+          <p:nvPr/>
+        </p:nvSpPr>
+        <p:spPr>
+          <a:xfrm rot="16200000">
+            <a:off x="-2019766" y="6349311"/>
+            <a:ext cx="4381500" cy="461665"/>
+          </a:xfrm>
+          <a:prstGeom prst="rect">
+            <a:avLst/>
+          </a:prstGeom>
+          <a:noFill/>
+        </p:spPr>
+        <p:txBody>
+          <a:bodyPr wrap="square" rtlCol="0">
+            <a:spAutoFit/>
+          </a:bodyPr>
+          <a:lstStyle/>
+          <a:p>
+            <a:pPr algn="ctr"/>
+            <a:r>
+              <a:rPr lang="en-US" sz="2400" b="1" u="sng" dirty="0"/>
+              <a:t>Confirmatory</a:t>
+            </a:r>
+          </a:p>
+        </p:txBody>
+      </p:sp>
+      <p:pic>
+        <p:nvPicPr>
+          <p:cNvPr id="3" name="Picture 2">
+            <a:extLst>
+              <a:ext uri="{FF2B5EF4-FFF2-40B4-BE49-F238E27FC236}">
+                <a16:creationId xmlns:a16="http://schemas.microsoft.com/office/drawing/2014/main" id="{E936D301-885A-2D9B-2C64-1E4A60C4D40E}"/>
+              </a:ext>
+            </a:extLst>
+          </p:cNvPr>
+          <p:cNvPicPr>
+            <a:picLocks noChangeAspect="1"/>
+          </p:cNvPicPr>
+          <p:nvPr/>
+        </p:nvPicPr>
+        <p:blipFill>
+          <a:blip r:embed="rId4"/>
+          <a:stretch>
+            <a:fillRect/>
+          </a:stretch>
+        </p:blipFill>
+        <p:spPr>
+          <a:xfrm>
+            <a:off x="451563" y="-3355"/>
             <a:ext cx="6590041" cy="4389120"/>
           </a:xfrm>
           <a:prstGeom prst="rect">
@@ -3088,7 +3148,7 @@
           <p:nvPr/>
         </p:nvPicPr>
         <p:blipFill>
-          <a:blip r:embed="rId3"/>
+          <a:blip r:embed="rId5"/>
           <a:stretch>
             <a:fillRect/>
           </a:stretch>
@@ -3096,66 +3156,6 @@
         <p:spPr>
           <a:xfrm>
             <a:off x="7022781" y="7888"/>
-            <a:ext cx="6583680" cy="4389120"/>
-          </a:xfrm>
-          <a:prstGeom prst="rect">
-            <a:avLst/>
-          </a:prstGeom>
-        </p:spPr>
-      </p:pic>
-      <p:pic>
-        <p:nvPicPr>
-          <p:cNvPr id="4" name="Picture 3">
-            <a:extLst>
-              <a:ext uri="{FF2B5EF4-FFF2-40B4-BE49-F238E27FC236}">
-                <a16:creationId xmlns:a16="http://schemas.microsoft.com/office/drawing/2014/main" id="{435966E7-826D-623D-3D02-A8F7B9C67E2D}"/>
-              </a:ext>
-            </a:extLst>
-          </p:cNvPr>
-          <p:cNvPicPr>
-            <a:picLocks noChangeAspect="1"/>
-          </p:cNvPicPr>
-          <p:nvPr/>
-        </p:nvPicPr>
-        <p:blipFill>
-          <a:blip r:embed="rId4"/>
-          <a:stretch>
-            <a:fillRect/>
-          </a:stretch>
-        </p:blipFill>
-        <p:spPr>
-          <a:xfrm>
-            <a:off x="438792" y="4381774"/>
-            <a:ext cx="6590041" cy="4389120"/>
-          </a:xfrm>
-          <a:prstGeom prst="rect">
-            <a:avLst/>
-          </a:prstGeom>
-        </p:spPr>
-      </p:pic>
-      <p:pic>
-        <p:nvPicPr>
-          <p:cNvPr id="7" name="Picture 6">
-            <a:extLst>
-              <a:ext uri="{FF2B5EF4-FFF2-40B4-BE49-F238E27FC236}">
-                <a16:creationId xmlns:a16="http://schemas.microsoft.com/office/drawing/2014/main" id="{DFE3769F-E3A1-5B95-199C-C79F28CE671F}"/>
-              </a:ext>
-            </a:extLst>
-          </p:cNvPr>
-          <p:cNvPicPr>
-            <a:picLocks noChangeAspect="1"/>
-          </p:cNvPicPr>
-          <p:nvPr/>
-        </p:nvPicPr>
-        <p:blipFill>
-          <a:blip r:embed="rId5"/>
-          <a:stretch>
-            <a:fillRect/>
-          </a:stretch>
-        </p:blipFill>
-        <p:spPr>
-          <a:xfrm>
-            <a:off x="7022783" y="4389755"/>
             <a:ext cx="6583680" cy="4389120"/>
           </a:xfrm>
           <a:prstGeom prst="rect">
